--- a/Documents/Lecture outlines/Lecture 4/Lecture 4 Experiments.pptx
+++ b/Documents/Lecture outlines/Lecture 4/Lecture 4 Experiments.pptx
@@ -6,13 +6,14 @@
   </p:sldMasterIdLst>
   <p:sldIdLst>
     <p:sldId id="256" r:id="rId2"/>
-    <p:sldId id="263" r:id="rId3"/>
-    <p:sldId id="257" r:id="rId4"/>
-    <p:sldId id="258" r:id="rId5"/>
-    <p:sldId id="259" r:id="rId6"/>
-    <p:sldId id="260" r:id="rId7"/>
-    <p:sldId id="261" r:id="rId8"/>
-    <p:sldId id="262" r:id="rId9"/>
+    <p:sldId id="264" r:id="rId3"/>
+    <p:sldId id="263" r:id="rId4"/>
+    <p:sldId id="257" r:id="rId5"/>
+    <p:sldId id="258" r:id="rId6"/>
+    <p:sldId id="259" r:id="rId7"/>
+    <p:sldId id="260" r:id="rId8"/>
+    <p:sldId id="261" r:id="rId9"/>
+    <p:sldId id="262" r:id="rId10"/>
   </p:sldIdLst>
   <p:sldSz cx="12192000" cy="6858000"/>
   <p:notesSz cx="6858000" cy="9144000"/>
@@ -268,7 +269,7 @@
           <a:p>
             <a:fld id="{A5657105-C9FE-445F-94B0-9B187814C437}" type="datetimeFigureOut">
               <a:rPr lang="en-GB" smtClean="0"/>
-              <a:t>28/11/2019</a:t>
+              <a:t>02/12/2019</a:t>
             </a:fld>
             <a:endParaRPr lang="en-GB"/>
           </a:p>
@@ -468,7 +469,7 @@
           <a:p>
             <a:fld id="{A5657105-C9FE-445F-94B0-9B187814C437}" type="datetimeFigureOut">
               <a:rPr lang="en-GB" smtClean="0"/>
-              <a:t>28/11/2019</a:t>
+              <a:t>02/12/2019</a:t>
             </a:fld>
             <a:endParaRPr lang="en-GB"/>
           </a:p>
@@ -678,7 +679,7 @@
           <a:p>
             <a:fld id="{A5657105-C9FE-445F-94B0-9B187814C437}" type="datetimeFigureOut">
               <a:rPr lang="en-GB" smtClean="0"/>
-              <a:t>28/11/2019</a:t>
+              <a:t>02/12/2019</a:t>
             </a:fld>
             <a:endParaRPr lang="en-GB"/>
           </a:p>
@@ -878,7 +879,7 @@
           <a:p>
             <a:fld id="{A5657105-C9FE-445F-94B0-9B187814C437}" type="datetimeFigureOut">
               <a:rPr lang="en-GB" smtClean="0"/>
-              <a:t>28/11/2019</a:t>
+              <a:t>02/12/2019</a:t>
             </a:fld>
             <a:endParaRPr lang="en-GB"/>
           </a:p>
@@ -1154,7 +1155,7 @@
           <a:p>
             <a:fld id="{A5657105-C9FE-445F-94B0-9B187814C437}" type="datetimeFigureOut">
               <a:rPr lang="en-GB" smtClean="0"/>
-              <a:t>28/11/2019</a:t>
+              <a:t>02/12/2019</a:t>
             </a:fld>
             <a:endParaRPr lang="en-GB"/>
           </a:p>
@@ -1422,7 +1423,7 @@
           <a:p>
             <a:fld id="{A5657105-C9FE-445F-94B0-9B187814C437}" type="datetimeFigureOut">
               <a:rPr lang="en-GB" smtClean="0"/>
-              <a:t>28/11/2019</a:t>
+              <a:t>02/12/2019</a:t>
             </a:fld>
             <a:endParaRPr lang="en-GB"/>
           </a:p>
@@ -1837,7 +1838,7 @@
           <a:p>
             <a:fld id="{A5657105-C9FE-445F-94B0-9B187814C437}" type="datetimeFigureOut">
               <a:rPr lang="en-GB" smtClean="0"/>
-              <a:t>28/11/2019</a:t>
+              <a:t>02/12/2019</a:t>
             </a:fld>
             <a:endParaRPr lang="en-GB"/>
           </a:p>
@@ -1979,7 +1980,7 @@
           <a:p>
             <a:fld id="{A5657105-C9FE-445F-94B0-9B187814C437}" type="datetimeFigureOut">
               <a:rPr lang="en-GB" smtClean="0"/>
-              <a:t>28/11/2019</a:t>
+              <a:t>02/12/2019</a:t>
             </a:fld>
             <a:endParaRPr lang="en-GB"/>
           </a:p>
@@ -2092,7 +2093,7 @@
           <a:p>
             <a:fld id="{A5657105-C9FE-445F-94B0-9B187814C437}" type="datetimeFigureOut">
               <a:rPr lang="en-GB" smtClean="0"/>
-              <a:t>28/11/2019</a:t>
+              <a:t>02/12/2019</a:t>
             </a:fld>
             <a:endParaRPr lang="en-GB"/>
           </a:p>
@@ -2405,7 +2406,7 @@
           <a:p>
             <a:fld id="{A5657105-C9FE-445F-94B0-9B187814C437}" type="datetimeFigureOut">
               <a:rPr lang="en-GB" smtClean="0"/>
-              <a:t>28/11/2019</a:t>
+              <a:t>02/12/2019</a:t>
             </a:fld>
             <a:endParaRPr lang="en-GB"/>
           </a:p>
@@ -2694,7 +2695,7 @@
           <a:p>
             <a:fld id="{A5657105-C9FE-445F-94B0-9B187814C437}" type="datetimeFigureOut">
               <a:rPr lang="en-GB" smtClean="0"/>
-              <a:t>28/11/2019</a:t>
+              <a:t>02/12/2019</a:t>
             </a:fld>
             <a:endParaRPr lang="en-GB"/>
           </a:p>
@@ -2771,9 +2772,39 @@
 <p:sldMaster xmlns:a="http://schemas.openxmlformats.org/drawingml/2006/main" xmlns:r="http://schemas.openxmlformats.org/officeDocument/2006/relationships" xmlns:p="http://schemas.openxmlformats.org/presentationml/2006/main">
   <p:cSld>
     <p:bg>
-      <p:bgRef idx="1001">
-        <a:schemeClr val="bg1"/>
-      </p:bgRef>
+      <p:bgPr>
+        <a:gradFill flip="none" rotWithShape="1">
+          <a:gsLst>
+            <a:gs pos="0">
+              <a:schemeClr val="accent1">
+                <a:lumMod val="5000"/>
+                <a:lumOff val="95000"/>
+              </a:schemeClr>
+            </a:gs>
+            <a:gs pos="74000">
+              <a:schemeClr val="accent1">
+                <a:lumMod val="45000"/>
+                <a:lumOff val="55000"/>
+              </a:schemeClr>
+            </a:gs>
+            <a:gs pos="83000">
+              <a:schemeClr val="accent1">
+                <a:lumMod val="45000"/>
+                <a:lumOff val="55000"/>
+              </a:schemeClr>
+            </a:gs>
+            <a:gs pos="100000">
+              <a:schemeClr val="accent1">
+                <a:lumMod val="30000"/>
+                <a:lumOff val="70000"/>
+              </a:schemeClr>
+            </a:gs>
+          </a:gsLst>
+          <a:lin ang="5400000" scaled="1"/>
+          <a:tileRect/>
+        </a:gradFill>
+        <a:effectLst/>
+      </p:bgPr>
     </p:bg>
     <p:spTree>
       <p:nvGrpSpPr>
@@ -2937,7 +2968,7 @@
           <a:p>
             <a:fld id="{A5657105-C9FE-445F-94B0-9B187814C437}" type="datetimeFigureOut">
               <a:rPr lang="en-GB" smtClean="0"/>
-              <a:t>28/11/2019</a:t>
+              <a:t>02/12/2019</a:t>
             </a:fld>
             <a:endParaRPr lang="en-GB"/>
           </a:p>
@@ -3405,7 +3436,7 @@
           <a:p>
             <a:r>
               <a:rPr lang="en-GB" dirty="0"/>
-              <a:t>Example scenario</a:t>
+              <a:t>Experiments</a:t>
             </a:r>
           </a:p>
         </p:txBody>
@@ -3445,7 +3476,7 @@
           <p:cNvPr id="2" name="Title 1">
             <a:extLst>
               <a:ext uri="{FF2B5EF4-FFF2-40B4-BE49-F238E27FC236}">
-                <a16:creationId xmlns:a16="http://schemas.microsoft.com/office/drawing/2014/main" id="{1224E003-D944-4BC3-B37E-AF4EFD29B24E}"/>
+                <a16:creationId xmlns:a16="http://schemas.microsoft.com/office/drawing/2014/main" id="{EACCCF6A-A8AB-4C0A-8DA4-73BFC2CC76BD}"/>
               </a:ext>
             </a:extLst>
           </p:cNvPr>
@@ -3463,7 +3494,7 @@
           <a:p>
             <a:r>
               <a:rPr lang="en-GB" dirty="0"/>
-              <a:t>Experiments</a:t>
+              <a:t>Lecture 4 outline</a:t>
             </a:r>
           </a:p>
         </p:txBody>
@@ -3473,7 +3504,7 @@
           <p:cNvPr id="3" name="Content Placeholder 2">
             <a:extLst>
               <a:ext uri="{FF2B5EF4-FFF2-40B4-BE49-F238E27FC236}">
-                <a16:creationId xmlns:a16="http://schemas.microsoft.com/office/drawing/2014/main" id="{E5257004-D5E7-4855-97E6-D9EA078BABE9}"/>
+                <a16:creationId xmlns:a16="http://schemas.microsoft.com/office/drawing/2014/main" id="{FD514FB2-D39D-46F6-9417-3F9D1DF25F4D}"/>
               </a:ext>
             </a:extLst>
           </p:cNvPr>
@@ -3486,56 +3517,37 @@
         </p:nvSpPr>
         <p:spPr/>
         <p:txBody>
-          <a:bodyPr>
-            <a:normAutofit lnSpcReduction="10000"/>
-          </a:bodyPr>
+          <a:bodyPr/>
           <a:lstStyle/>
           <a:p>
             <a:r>
               <a:rPr lang="en-GB" dirty="0"/>
-              <a:t>Pros</a:t>
+              <a:t>The importance of data (~10mins)</a:t>
             </a:r>
           </a:p>
           <a:p>
             <a:r>
               <a:rPr lang="en-GB" dirty="0"/>
-              <a:t>Allow us to control variables and find specific values</a:t>
+              <a:t>Emergencies (~10mins)</a:t>
             </a:r>
           </a:p>
           <a:p>
             <a:r>
               <a:rPr lang="en-GB" dirty="0"/>
-              <a:t>Allow us to repeat measurements to improve certainty</a:t>
-            </a:r>
-          </a:p>
-          <a:p>
-            <a:endParaRPr lang="en-GB" dirty="0"/>
-          </a:p>
-          <a:p>
-            <a:endParaRPr lang="en-GB" dirty="0"/>
+              <a:t>Emergency example (~10mins)</a:t>
+            </a:r>
+          </a:p>
+          <a:p>
+            <a:r>
+              <a:rPr lang="en-GB" b="1" dirty="0"/>
+              <a:t>Data gathering vs data generating: experiments (~10mins)</a:t>
+            </a:r>
           </a:p>
           <a:p>
             <a:r>
               <a:rPr lang="en-GB" dirty="0"/>
-              <a:t>Cons</a:t>
-            </a:r>
-          </a:p>
-          <a:p>
-            <a:r>
-              <a:rPr lang="en-GB" dirty="0"/>
-              <a:t>Not ‘real-world’, therefore ecologically invalid (to an extent)</a:t>
-            </a:r>
-          </a:p>
-          <a:p>
-            <a:r>
-              <a:rPr lang="en-GB" dirty="0"/>
-              <a:t>For multimodal movement responses, experiments often do not have </a:t>
-            </a:r>
-            <a:r>
-              <a:rPr lang="en-GB"/>
-              <a:t>enough insight</a:t>
-            </a:r>
-            <a:endParaRPr lang="en-GB" dirty="0"/>
+              <a:t>Data gathering vs data generating: real-world sources (~10mins)</a:t>
+            </a:r>
           </a:p>
           <a:p>
             <a:endParaRPr lang="en-GB" dirty="0"/>
@@ -3545,7 +3557,7 @@
     </p:spTree>
     <p:extLst>
       <p:ext uri="{BB962C8B-B14F-4D97-AF65-F5344CB8AC3E}">
-        <p14:creationId xmlns:p14="http://schemas.microsoft.com/office/powerpoint/2010/main" val="3077708546"/>
+        <p14:creationId xmlns:p14="http://schemas.microsoft.com/office/powerpoint/2010/main" val="1349485034"/>
       </p:ext>
     </p:extLst>
   </p:cSld>
@@ -3577,7 +3589,7 @@
           <p:cNvPr id="2" name="Title 1">
             <a:extLst>
               <a:ext uri="{FF2B5EF4-FFF2-40B4-BE49-F238E27FC236}">
-                <a16:creationId xmlns:a16="http://schemas.microsoft.com/office/drawing/2014/main" id="{0577DF9B-06A5-44CD-9B6C-1944E9C8901A}"/>
+                <a16:creationId xmlns:a16="http://schemas.microsoft.com/office/drawing/2014/main" id="{1224E003-D944-4BC3-B37E-AF4EFD29B24E}"/>
               </a:ext>
             </a:extLst>
           </p:cNvPr>
@@ -3595,7 +3607,7 @@
           <a:p>
             <a:r>
               <a:rPr lang="en-GB" dirty="0"/>
-              <a:t>1d Flow experiment</a:t>
+              <a:t>Experiments</a:t>
             </a:r>
           </a:p>
         </p:txBody>
@@ -3605,7 +3617,7 @@
           <p:cNvPr id="3" name="Content Placeholder 2">
             <a:extLst>
               <a:ext uri="{FF2B5EF4-FFF2-40B4-BE49-F238E27FC236}">
-                <a16:creationId xmlns:a16="http://schemas.microsoft.com/office/drawing/2014/main" id="{0B978D12-471B-43D6-A4C8-DFBCCFEDEB44}"/>
+                <a16:creationId xmlns:a16="http://schemas.microsoft.com/office/drawing/2014/main" id="{E5257004-D5E7-4855-97E6-D9EA078BABE9}"/>
               </a:ext>
             </a:extLst>
           </p:cNvPr>
@@ -3618,17 +3630,66 @@
         </p:nvSpPr>
         <p:spPr/>
         <p:txBody>
-          <a:bodyPr/>
-          <a:lstStyle/>
-          <a:p>
-            <a:endParaRPr lang="en-GB"/>
+          <a:bodyPr>
+            <a:normAutofit lnSpcReduction="10000"/>
+          </a:bodyPr>
+          <a:lstStyle/>
+          <a:p>
+            <a:r>
+              <a:rPr lang="en-GB" dirty="0"/>
+              <a:t>Pros</a:t>
+            </a:r>
+          </a:p>
+          <a:p>
+            <a:r>
+              <a:rPr lang="en-GB" dirty="0"/>
+              <a:t>Allow us to control variables and find specific values</a:t>
+            </a:r>
+          </a:p>
+          <a:p>
+            <a:r>
+              <a:rPr lang="en-GB" dirty="0"/>
+              <a:t>Allow us to repeat measurements to improve certainty</a:t>
+            </a:r>
+          </a:p>
+          <a:p>
+            <a:endParaRPr lang="en-GB" dirty="0"/>
+          </a:p>
+          <a:p>
+            <a:endParaRPr lang="en-GB" dirty="0"/>
+          </a:p>
+          <a:p>
+            <a:r>
+              <a:rPr lang="en-GB" dirty="0"/>
+              <a:t>Cons</a:t>
+            </a:r>
+          </a:p>
+          <a:p>
+            <a:r>
+              <a:rPr lang="en-GB" dirty="0"/>
+              <a:t>Not ‘real-world’, therefore ecologically invalid (to an extent)</a:t>
+            </a:r>
+          </a:p>
+          <a:p>
+            <a:r>
+              <a:rPr lang="en-GB" dirty="0"/>
+              <a:t>For multimodal movement responses, experiments often do not have </a:t>
+            </a:r>
+            <a:r>
+              <a:rPr lang="en-GB"/>
+              <a:t>enough insight</a:t>
+            </a:r>
+            <a:endParaRPr lang="en-GB" dirty="0"/>
+          </a:p>
+          <a:p>
+            <a:endParaRPr lang="en-GB" dirty="0"/>
           </a:p>
         </p:txBody>
       </p:sp>
     </p:spTree>
     <p:extLst>
       <p:ext uri="{BB962C8B-B14F-4D97-AF65-F5344CB8AC3E}">
-        <p14:creationId xmlns:p14="http://schemas.microsoft.com/office/powerpoint/2010/main" val="1783295187"/>
+        <p14:creationId xmlns:p14="http://schemas.microsoft.com/office/powerpoint/2010/main" val="3077708546"/>
       </p:ext>
     </p:extLst>
   </p:cSld>
@@ -3660,7 +3721,7 @@
           <p:cNvPr id="2" name="Title 1">
             <a:extLst>
               <a:ext uri="{FF2B5EF4-FFF2-40B4-BE49-F238E27FC236}">
-                <a16:creationId xmlns:a16="http://schemas.microsoft.com/office/drawing/2014/main" id="{DD56EF5F-0625-4BBF-8690-935BD3B359D5}"/>
+                <a16:creationId xmlns:a16="http://schemas.microsoft.com/office/drawing/2014/main" id="{0577DF9B-06A5-44CD-9B6C-1944E9C8901A}"/>
               </a:ext>
             </a:extLst>
           </p:cNvPr>
@@ -3678,7 +3739,7 @@
           <a:p>
             <a:r>
               <a:rPr lang="en-GB" dirty="0"/>
-              <a:t>2D flow experiment</a:t>
+              <a:t>1d Flow experiment</a:t>
             </a:r>
           </a:p>
         </p:txBody>
@@ -3688,7 +3749,7 @@
           <p:cNvPr id="3" name="Content Placeholder 2">
             <a:extLst>
               <a:ext uri="{FF2B5EF4-FFF2-40B4-BE49-F238E27FC236}">
-                <a16:creationId xmlns:a16="http://schemas.microsoft.com/office/drawing/2014/main" id="{9D1A24EE-4D5D-45FD-A379-C32D3DB74A0E}"/>
+                <a16:creationId xmlns:a16="http://schemas.microsoft.com/office/drawing/2014/main" id="{0B978D12-471B-43D6-A4C8-DFBCCFEDEB44}"/>
               </a:ext>
             </a:extLst>
           </p:cNvPr>
@@ -3711,7 +3772,7 @@
     </p:spTree>
     <p:extLst>
       <p:ext uri="{BB962C8B-B14F-4D97-AF65-F5344CB8AC3E}">
-        <p14:creationId xmlns:p14="http://schemas.microsoft.com/office/powerpoint/2010/main" val="4099542056"/>
+        <p14:creationId xmlns:p14="http://schemas.microsoft.com/office/powerpoint/2010/main" val="1783295187"/>
       </p:ext>
     </p:extLst>
   </p:cSld>
@@ -3743,7 +3804,7 @@
           <p:cNvPr id="2" name="Title 1">
             <a:extLst>
               <a:ext uri="{FF2B5EF4-FFF2-40B4-BE49-F238E27FC236}">
-                <a16:creationId xmlns:a16="http://schemas.microsoft.com/office/drawing/2014/main" id="{45FE580C-7D5B-465A-B0AB-B24FE2E9CC17}"/>
+                <a16:creationId xmlns:a16="http://schemas.microsoft.com/office/drawing/2014/main" id="{DD56EF5F-0625-4BBF-8690-935BD3B359D5}"/>
               </a:ext>
             </a:extLst>
           </p:cNvPr>
@@ -3761,7 +3822,7 @@
           <a:p>
             <a:r>
               <a:rPr lang="en-GB" dirty="0"/>
-              <a:t>Surveys</a:t>
+              <a:t>2D flow experiment</a:t>
             </a:r>
           </a:p>
         </p:txBody>
@@ -3771,7 +3832,7 @@
           <p:cNvPr id="3" name="Content Placeholder 2">
             <a:extLst>
               <a:ext uri="{FF2B5EF4-FFF2-40B4-BE49-F238E27FC236}">
-                <a16:creationId xmlns:a16="http://schemas.microsoft.com/office/drawing/2014/main" id="{5AFBCC40-1733-46D7-B249-856F37000F2E}"/>
+                <a16:creationId xmlns:a16="http://schemas.microsoft.com/office/drawing/2014/main" id="{9D1A24EE-4D5D-45FD-A379-C32D3DB74A0E}"/>
               </a:ext>
             </a:extLst>
           </p:cNvPr>
@@ -3787,17 +3848,14 @@
           <a:bodyPr/>
           <a:lstStyle/>
           <a:p>
-            <a:r>
-              <a:rPr lang="en-GB" dirty="0"/>
-              <a:t>Stated choice experiments</a:t>
-            </a:r>
+            <a:endParaRPr lang="en-GB"/>
           </a:p>
         </p:txBody>
       </p:sp>
     </p:spTree>
     <p:extLst>
       <p:ext uri="{BB962C8B-B14F-4D97-AF65-F5344CB8AC3E}">
-        <p14:creationId xmlns:p14="http://schemas.microsoft.com/office/powerpoint/2010/main" val="819783049"/>
+        <p14:creationId xmlns:p14="http://schemas.microsoft.com/office/powerpoint/2010/main" val="4099542056"/>
       </p:ext>
     </p:extLst>
   </p:cSld>
@@ -3829,7 +3887,7 @@
           <p:cNvPr id="2" name="Title 1">
             <a:extLst>
               <a:ext uri="{FF2B5EF4-FFF2-40B4-BE49-F238E27FC236}">
-                <a16:creationId xmlns:a16="http://schemas.microsoft.com/office/drawing/2014/main" id="{0D4E5371-BFAB-4016-8AD6-F7080FE73CEB}"/>
+                <a16:creationId xmlns:a16="http://schemas.microsoft.com/office/drawing/2014/main" id="{45FE580C-7D5B-465A-B0AB-B24FE2E9CC17}"/>
               </a:ext>
             </a:extLst>
           </p:cNvPr>
@@ -3847,7 +3905,7 @@
           <a:p>
             <a:r>
               <a:rPr lang="en-GB" dirty="0"/>
-              <a:t>Drills</a:t>
+              <a:t>Surveys</a:t>
             </a:r>
           </a:p>
         </p:txBody>
@@ -3857,7 +3915,7 @@
           <p:cNvPr id="3" name="Content Placeholder 2">
             <a:extLst>
               <a:ext uri="{FF2B5EF4-FFF2-40B4-BE49-F238E27FC236}">
-                <a16:creationId xmlns:a16="http://schemas.microsoft.com/office/drawing/2014/main" id="{41D51DEA-D1DE-4CD6-BC16-C0E2F012496C}"/>
+                <a16:creationId xmlns:a16="http://schemas.microsoft.com/office/drawing/2014/main" id="{5AFBCC40-1733-46D7-B249-856F37000F2E}"/>
               </a:ext>
             </a:extLst>
           </p:cNvPr>
@@ -3873,14 +3931,17 @@
           <a:bodyPr/>
           <a:lstStyle/>
           <a:p>
-            <a:endParaRPr lang="en-GB"/>
+            <a:r>
+              <a:rPr lang="en-GB" dirty="0"/>
+              <a:t>Stated choice experiments</a:t>
+            </a:r>
           </a:p>
         </p:txBody>
       </p:sp>
     </p:spTree>
     <p:extLst>
       <p:ext uri="{BB962C8B-B14F-4D97-AF65-F5344CB8AC3E}">
-        <p14:creationId xmlns:p14="http://schemas.microsoft.com/office/powerpoint/2010/main" val="1132887176"/>
+        <p14:creationId xmlns:p14="http://schemas.microsoft.com/office/powerpoint/2010/main" val="819783049"/>
       </p:ext>
     </p:extLst>
   </p:cSld>
@@ -3912,6 +3973,89 @@
           <p:cNvPr id="2" name="Title 1">
             <a:extLst>
               <a:ext uri="{FF2B5EF4-FFF2-40B4-BE49-F238E27FC236}">
+                <a16:creationId xmlns:a16="http://schemas.microsoft.com/office/drawing/2014/main" id="{0D4E5371-BFAB-4016-8AD6-F7080FE73CEB}"/>
+              </a:ext>
+            </a:extLst>
+          </p:cNvPr>
+          <p:cNvSpPr>
+            <a:spLocks noGrp="1"/>
+          </p:cNvSpPr>
+          <p:nvPr>
+            <p:ph type="title"/>
+          </p:nvPr>
+        </p:nvSpPr>
+        <p:spPr/>
+        <p:txBody>
+          <a:bodyPr/>
+          <a:lstStyle/>
+          <a:p>
+            <a:r>
+              <a:rPr lang="en-GB" dirty="0"/>
+              <a:t>Drills</a:t>
+            </a:r>
+          </a:p>
+        </p:txBody>
+      </p:sp>
+      <p:sp>
+        <p:nvSpPr>
+          <p:cNvPr id="3" name="Content Placeholder 2">
+            <a:extLst>
+              <a:ext uri="{FF2B5EF4-FFF2-40B4-BE49-F238E27FC236}">
+                <a16:creationId xmlns:a16="http://schemas.microsoft.com/office/drawing/2014/main" id="{41D51DEA-D1DE-4CD6-BC16-C0E2F012496C}"/>
+              </a:ext>
+            </a:extLst>
+          </p:cNvPr>
+          <p:cNvSpPr>
+            <a:spLocks noGrp="1"/>
+          </p:cNvSpPr>
+          <p:nvPr>
+            <p:ph idx="1"/>
+          </p:nvPr>
+        </p:nvSpPr>
+        <p:spPr/>
+        <p:txBody>
+          <a:bodyPr/>
+          <a:lstStyle/>
+          <a:p>
+            <a:endParaRPr lang="en-GB"/>
+          </a:p>
+        </p:txBody>
+      </p:sp>
+    </p:spTree>
+    <p:extLst>
+      <p:ext uri="{BB962C8B-B14F-4D97-AF65-F5344CB8AC3E}">
+        <p14:creationId xmlns:p14="http://schemas.microsoft.com/office/powerpoint/2010/main" val="1132887176"/>
+      </p:ext>
+    </p:extLst>
+  </p:cSld>
+  <p:clrMapOvr>
+    <a:masterClrMapping/>
+  </p:clrMapOvr>
+</p:sld>
+</file>
+
+<file path=ppt/slides/slide8.xml><?xml version="1.0" encoding="utf-8"?>
+<p:sld xmlns:a="http://schemas.openxmlformats.org/drawingml/2006/main" xmlns:r="http://schemas.openxmlformats.org/officeDocument/2006/relationships" xmlns:p="http://schemas.openxmlformats.org/presentationml/2006/main">
+  <p:cSld>
+    <p:spTree>
+      <p:nvGrpSpPr>
+        <p:cNvPr id="1" name=""/>
+        <p:cNvGrpSpPr/>
+        <p:nvPr/>
+      </p:nvGrpSpPr>
+      <p:grpSpPr>
+        <a:xfrm>
+          <a:off x="0" y="0"/>
+          <a:ext cx="0" cy="0"/>
+          <a:chOff x="0" y="0"/>
+          <a:chExt cx="0" cy="0"/>
+        </a:xfrm>
+      </p:grpSpPr>
+      <p:sp>
+        <p:nvSpPr>
+          <p:cNvPr id="2" name="Title 1">
+            <a:extLst>
+              <a:ext uri="{FF2B5EF4-FFF2-40B4-BE49-F238E27FC236}">
                 <a16:creationId xmlns:a16="http://schemas.microsoft.com/office/drawing/2014/main" id="{22742BA5-EF4D-45A5-A640-7A865FD375D4}"/>
               </a:ext>
             </a:extLst>
@@ -3973,7 +4117,7 @@
 </p:sld>
 </file>
 
-<file path=ppt/slides/slide8.xml><?xml version="1.0" encoding="utf-8"?>
+<file path=ppt/slides/slide9.xml><?xml version="1.0" encoding="utf-8"?>
 <p:sld xmlns:a="http://schemas.openxmlformats.org/drawingml/2006/main" xmlns:r="http://schemas.openxmlformats.org/officeDocument/2006/relationships" xmlns:p="http://schemas.openxmlformats.org/presentationml/2006/main">
   <p:cSld>
     <p:spTree>
